--- a/presentations/Patterns and Best Practices for dynamic OSGi Applications.pptx
+++ b/presentations/Patterns and Best Practices for dynamic OSGi Applications.pptx
@@ -234,7 +234,7 @@
             <a:fld id="{30BE1A6C-D123-4A75-A9E8-6097B5CB3F80}" type="datetimeFigureOut">
               <a:rPr lang="de-DE" smtClean="0"/>
               <a:pPr/>
-              <a:t>28.10.2008</a:t>
+              <a:t>29.10.2008</a:t>
             </a:fld>
             <a:endParaRPr lang="de-DE"/>
           </a:p>
@@ -396,7 +396,7 @@
             <a:fld id="{5FCB10B1-B43C-4A4F-B3B0-91EB34045B6E}" type="slidenum">
               <a:rPr lang="de-DE" smtClean="0"/>
               <a:pPr/>
-              <a:t>‹#›</a:t>
+              <a:t>‹Nr.›</a:t>
             </a:fld>
             <a:endParaRPr lang="de-DE"/>
           </a:p>
@@ -1116,7 +1116,7 @@
             <a:fld id="{6A8BD7CC-570D-43FA-A214-4BA0539F1D29}" type="slidenum">
               <a:rPr lang="de-DE" smtClean="0"/>
               <a:pPr/>
-              <a:t>‹#›</a:t>
+              <a:t>‹Nr.›</a:t>
             </a:fld>
             <a:endParaRPr lang="de-DE" dirty="0"/>
           </a:p>
@@ -1391,7 +1391,7 @@
             <a:fld id="{6A8BD7CC-570D-43FA-A214-4BA0539F1D29}" type="slidenum">
               <a:rPr lang="de-DE" smtClean="0"/>
               <a:pPr/>
-              <a:t>‹#›</a:t>
+              <a:t>‹Nr.›</a:t>
             </a:fld>
             <a:endParaRPr lang="de-DE" dirty="0"/>
           </a:p>
@@ -1562,7 +1562,7 @@
             <a:fld id="{11D89AC9-FCAC-4B6A-8791-B2D98D1FB4A9}" type="slidenum">
               <a:rPr lang="de-DE" smtClean="0"/>
               <a:pPr/>
-              <a:t>‹#›</a:t>
+              <a:t>‹Nr.›</a:t>
             </a:fld>
             <a:endParaRPr lang="de-DE"/>
           </a:p>
@@ -1878,7 +1878,7 @@
             <a:fld id="{11D89AC9-FCAC-4B6A-8791-B2D98D1FB4A9}" type="slidenum">
               <a:rPr lang="de-DE" smtClean="0"/>
               <a:pPr/>
-              <a:t>‹#›</a:t>
+              <a:t>‹Nr.›</a:t>
             </a:fld>
             <a:endParaRPr lang="de-DE"/>
           </a:p>
@@ -1986,7 +1986,7 @@
             <a:fld id="{11D89AC9-FCAC-4B6A-8791-B2D98D1FB4A9}" type="slidenum">
               <a:rPr lang="de-DE" smtClean="0"/>
               <a:pPr/>
-              <a:t>‹#›</a:t>
+              <a:t>‹Nr.›</a:t>
             </a:fld>
             <a:endParaRPr lang="de-DE"/>
           </a:p>
@@ -2224,7 +2224,7 @@
             <a:fld id="{11D89AC9-FCAC-4B6A-8791-B2D98D1FB4A9}" type="slidenum">
               <a:rPr lang="de-DE" smtClean="0"/>
               <a:pPr/>
-              <a:t>‹#›</a:t>
+              <a:t>‹Nr.›</a:t>
             </a:fld>
             <a:endParaRPr lang="de-DE"/>
           </a:p>
@@ -2407,7 +2407,7 @@
             <a:fld id="{F7AE73F9-741C-4540-AFF9-F77D96F84EC3}" type="slidenum">
               <a:rPr lang="de-DE"/>
               <a:pPr/>
-              <a:t>‹#›</a:t>
+              <a:t>‹Nr.›</a:t>
             </a:fld>
             <a:endParaRPr lang="de-DE"/>
           </a:p>
@@ -2960,7 +2960,15 @@
           <a:p>
             <a:r>
               <a:rPr lang="en-US" noProof="0" dirty="0" smtClean="0"/>
-              <a:t>Bundles have dependencies, e.g. package or services dependencies</a:t>
+              <a:t>Bundles have dependencies, e.g. package or </a:t>
+            </a:r>
+            <a:r>
+              <a:rPr lang="en-US" noProof="0" dirty="0" smtClean="0"/>
+              <a:t>service </a:t>
+            </a:r>
+            <a:r>
+              <a:rPr lang="en-US" noProof="0" dirty="0" smtClean="0"/>
+              <a:t>dependencies</a:t>
             </a:r>
           </a:p>
           <a:p>
@@ -3157,17 +3165,6 @@
             <a:r>
               <a:rPr lang="en-US" noProof="0" dirty="0" smtClean="0"/>
               <a:t> Extender Pattern</a:t>
-            </a:r>
-          </a:p>
-          <a:p>
-            <a:pPr>
-              <a:spcBef>
-                <a:spcPts val="1200"/>
-              </a:spcBef>
-            </a:pPr>
-            <a:r>
-              <a:rPr lang="en-US" noProof="0" dirty="0" smtClean="0"/>
-              <a:t>Outlook: Architectures for dynamic Systems</a:t>
             </a:r>
           </a:p>
           <a:p>
@@ -3543,7 +3540,31 @@
           <a:bodyPr/>
           <a:lstStyle/>
           <a:p>
-            <a:endParaRPr lang="de-DE"/>
+            <a:r>
+              <a:rPr lang="de-DE" dirty="0" smtClean="0"/>
+              <a:t>Bundles </a:t>
+            </a:r>
+            <a:r>
+              <a:rPr lang="de-DE" dirty="0" err="1" smtClean="0"/>
+              <a:t>have</a:t>
+            </a:r>
+            <a:r>
+              <a:rPr lang="de-DE" dirty="0" smtClean="0"/>
+              <a:t> a well </a:t>
+            </a:r>
+            <a:r>
+              <a:rPr lang="de-DE" dirty="0" err="1" smtClean="0"/>
+              <a:t>defined</a:t>
+            </a:r>
+            <a:r>
+              <a:rPr lang="de-DE" dirty="0" smtClean="0"/>
+              <a:t> </a:t>
+            </a:r>
+            <a:r>
+              <a:rPr lang="de-DE" dirty="0" err="1" smtClean="0"/>
+              <a:t>lifecycle</a:t>
+            </a:r>
+            <a:endParaRPr lang="de-DE" dirty="0"/>
           </a:p>
         </p:txBody>
       </p:sp>
@@ -3563,10 +3584,18 @@
           <a:lstStyle/>
           <a:p>
             <a:r>
-              <a:rPr lang="en-US" noProof="0" smtClean="0"/>
-              <a:t>Exkurs: Bundle-Lifecycle</a:t>
-            </a:r>
-            <a:endParaRPr lang="en-US" noProof="0"/>
+              <a:rPr lang="en-US" dirty="0" smtClean="0"/>
+              <a:t>Digression</a:t>
+            </a:r>
+            <a:r>
+              <a:rPr lang="en-US" dirty="0" smtClean="0"/>
+              <a:t>: </a:t>
+            </a:r>
+            <a:r>
+              <a:rPr lang="en-US" noProof="0" dirty="0" smtClean="0"/>
+              <a:t>Bundle-Lifecycle</a:t>
+            </a:r>
+            <a:endParaRPr lang="en-US" noProof="0" dirty="0"/>
           </a:p>
         </p:txBody>
       </p:sp>
@@ -3813,19 +3842,15 @@
           <a:p>
             <a:r>
               <a:rPr lang="en-US" dirty="0" smtClean="0"/>
-              <a:t>… removes a Bundle form the </a:t>
-            </a:r>
-            <a:r>
-              <a:rPr lang="en-US" dirty="0" err="1" smtClean="0"/>
-              <a:t>OSGi</a:t>
-            </a:r>
-            <a:r>
-              <a:rPr lang="en-US" dirty="0" smtClean="0"/>
-              <a:t> </a:t>
-            </a:r>
-            <a:r>
-              <a:rPr lang="en-US" dirty="0" smtClean="0"/>
-              <a:t>Framework</a:t>
+              <a:t>… removes a Bundle </a:t>
+            </a:r>
+            <a:r>
+              <a:rPr lang="en-US" dirty="0" smtClean="0"/>
+              <a:t>from </a:t>
+            </a:r>
+            <a:r>
+              <a:rPr lang="en-US" dirty="0" smtClean="0"/>
+              <a:t>the OSGi Framework</a:t>
             </a:r>
           </a:p>
           <a:p>
@@ -4140,19 +4165,7 @@
           <a:p>
             <a:r>
               <a:rPr lang="en-US" dirty="0" smtClean="0"/>
-              <a:t>Refresh -&gt; restart </a:t>
-            </a:r>
-            <a:r>
-              <a:rPr lang="en-US" dirty="0" smtClean="0"/>
-              <a:t>of the</a:t>
-            </a:r>
-            <a:r>
-              <a:rPr lang="en-US" dirty="0" smtClean="0"/>
-              <a:t> </a:t>
-            </a:r>
-            <a:r>
-              <a:rPr lang="en-US" dirty="0" smtClean="0"/>
-              <a:t>bundles</a:t>
+              <a:t>Refresh -&gt; restart of the bundles</a:t>
             </a:r>
           </a:p>
         </p:txBody>
@@ -4485,17 +4498,6 @@
               </a:spcBef>
             </a:pPr>
             <a:r>
-              <a:rPr lang="en-US" noProof="0" dirty="0" smtClean="0"/>
-              <a:t>Outlook: Architectures for dynamic Systems</a:t>
-            </a:r>
-          </a:p>
-          <a:p>
-            <a:pPr>
-              <a:spcBef>
-                <a:spcPts val="1200"/>
-              </a:spcBef>
-            </a:pPr>
-            <a:r>
               <a:rPr lang="en-US" dirty="0" smtClean="0"/>
               <a:t>Conclusion</a:t>
             </a:r>
@@ -4815,17 +4817,6 @@
             <a:r>
               <a:rPr lang="en-US" noProof="0" dirty="0" smtClean="0"/>
               <a:t> Extender Pattern</a:t>
-            </a:r>
-          </a:p>
-          <a:p>
-            <a:pPr>
-              <a:spcBef>
-                <a:spcPts val="1200"/>
-              </a:spcBef>
-            </a:pPr>
-            <a:r>
-              <a:rPr lang="en-US" noProof="0" dirty="0" smtClean="0"/>
-              <a:t>Outlook: Architectures for dynamic Systems</a:t>
             </a:r>
           </a:p>
           <a:p>
@@ -5092,8 +5083,13 @@
           <a:p>
             <a:r>
               <a:rPr lang="en-US" dirty="0" smtClean="0"/>
-              <a:t>But take care:</a:t>
-            </a:r>
+              <a:t>But </a:t>
+            </a:r>
+            <a:r>
+              <a:rPr lang="en-US" dirty="0" smtClean="0"/>
+              <a:t>be careful:</a:t>
+            </a:r>
+            <a:endParaRPr lang="en-US" dirty="0" smtClean="0"/>
           </a:p>
           <a:p>
             <a:pPr lvl="1"/>
@@ -5106,7 +5102,15 @@
             <a:pPr lvl="1"/>
             <a:r>
               <a:rPr lang="en-US" dirty="0" smtClean="0"/>
-              <a:t>If the implementing bundle goes away, you need to take care not to keep this object referenced</a:t>
+              <a:t>If the implementing bundle goes away, you need </a:t>
+            </a:r>
+            <a:r>
+              <a:rPr lang="en-US" dirty="0" smtClean="0"/>
+              <a:t>to be careful not </a:t>
+            </a:r>
+            <a:r>
+              <a:rPr lang="en-US" dirty="0" smtClean="0"/>
+              <a:t>to keep this object referenced</a:t>
             </a:r>
           </a:p>
           <a:p>
@@ -5266,8 +5270,73 @@
             <a:pPr lvl="1"/>
             <a:r>
               <a:rPr lang="de-DE" sz="1800" dirty="0" smtClean="0"/>
-              <a:t>Teil der OSGi-Spezifikation, Deklarative Beschreibung von Services mit XML</a:t>
-            </a:r>
+              <a:t>Part </a:t>
+            </a:r>
+            <a:r>
+              <a:rPr lang="de-DE" sz="1800" dirty="0" err="1" smtClean="0"/>
+              <a:t>of</a:t>
+            </a:r>
+            <a:r>
+              <a:rPr lang="de-DE" sz="1800" dirty="0" smtClean="0"/>
+              <a:t> </a:t>
+            </a:r>
+            <a:r>
+              <a:rPr lang="de-DE" sz="1800" dirty="0" err="1" smtClean="0"/>
+              <a:t>the</a:t>
+            </a:r>
+            <a:r>
+              <a:rPr lang="de-DE" sz="1800" dirty="0" smtClean="0"/>
+              <a:t> OSGi </a:t>
+            </a:r>
+            <a:r>
+              <a:rPr lang="de-DE" sz="1800" dirty="0" err="1" smtClean="0"/>
+              <a:t>specification</a:t>
+            </a:r>
+            <a:r>
+              <a:rPr lang="de-DE" sz="1800" dirty="0" smtClean="0"/>
+              <a:t>, </a:t>
+            </a:r>
+            <a:r>
+              <a:rPr lang="de-DE" sz="1800" dirty="0" err="1" smtClean="0"/>
+              <a:t>declarative</a:t>
+            </a:r>
+            <a:r>
+              <a:rPr lang="de-DE" sz="1800" dirty="0" smtClean="0"/>
+              <a:t> </a:t>
+            </a:r>
+            <a:r>
+              <a:rPr lang="de-DE" sz="1800" dirty="0" err="1" smtClean="0"/>
+              <a:t>description</a:t>
+            </a:r>
+            <a:r>
+              <a:rPr lang="de-DE" sz="1800" dirty="0" smtClean="0"/>
+              <a:t> </a:t>
+            </a:r>
+            <a:r>
+              <a:rPr lang="de-DE" sz="1800" dirty="0" err="1" smtClean="0"/>
+              <a:t>of</a:t>
+            </a:r>
+            <a:r>
+              <a:rPr lang="de-DE" sz="1800" dirty="0" smtClean="0"/>
+              <a:t> </a:t>
+            </a:r>
+            <a:r>
+              <a:rPr lang="de-DE" sz="1800" dirty="0" err="1" smtClean="0"/>
+              <a:t>services</a:t>
+            </a:r>
+            <a:r>
+              <a:rPr lang="de-DE" sz="1800" dirty="0" smtClean="0"/>
+              <a:t> </a:t>
+            </a:r>
+            <a:r>
+              <a:rPr lang="de-DE" sz="1800" dirty="0" err="1" smtClean="0"/>
+              <a:t>with</a:t>
+            </a:r>
+            <a:r>
+              <a:rPr lang="de-DE" sz="1800" dirty="0" smtClean="0"/>
+              <a:t> XML</a:t>
+            </a:r>
+            <a:endParaRPr lang="de-DE" sz="1800" dirty="0" smtClean="0"/>
           </a:p>
           <a:p>
             <a:r>
@@ -5279,8 +5348,49 @@
             <a:pPr lvl="1"/>
             <a:r>
               <a:rPr lang="de-DE" sz="1800" dirty="0" smtClean="0"/>
-              <a:t>Spring wird mittels OSGi dynamisch</a:t>
-            </a:r>
+              <a:t>Spring </a:t>
+            </a:r>
+            <a:r>
+              <a:rPr lang="de-DE" sz="1800" dirty="0" err="1" smtClean="0"/>
+              <a:t>goes</a:t>
+            </a:r>
+            <a:r>
+              <a:rPr lang="de-DE" sz="1800" dirty="0" smtClean="0"/>
+              <a:t> </a:t>
+            </a:r>
+            <a:r>
+              <a:rPr lang="de-DE" sz="1800" dirty="0" err="1" smtClean="0"/>
+              <a:t>dynamic</a:t>
+            </a:r>
+            <a:r>
+              <a:rPr lang="de-DE" sz="1800" dirty="0" smtClean="0"/>
+              <a:t> </a:t>
+            </a:r>
+            <a:r>
+              <a:rPr lang="de-DE" sz="1800" dirty="0" err="1" smtClean="0"/>
+              <a:t>with</a:t>
+            </a:r>
+            <a:r>
+              <a:rPr lang="de-DE" sz="1800" dirty="0" smtClean="0"/>
+              <a:t> </a:t>
+            </a:r>
+            <a:r>
+              <a:rPr lang="de-DE" sz="1800" dirty="0" err="1" smtClean="0"/>
+              <a:t>help</a:t>
+            </a:r>
+            <a:r>
+              <a:rPr lang="de-DE" sz="1800" dirty="0" smtClean="0"/>
+              <a:t> </a:t>
+            </a:r>
+            <a:r>
+              <a:rPr lang="de-DE" sz="1800" dirty="0" err="1" smtClean="0"/>
+              <a:t>of</a:t>
+            </a:r>
+            <a:r>
+              <a:rPr lang="de-DE" sz="1800" dirty="0" smtClean="0"/>
+              <a:t> OSGi</a:t>
+            </a:r>
+            <a:endParaRPr lang="de-DE" sz="1800" dirty="0" smtClean="0"/>
           </a:p>
           <a:p>
             <a:pPr lvl="1"/>
@@ -5353,11 +5463,23 @@
             </a:r>
             <a:r>
               <a:rPr lang="de-DE" sz="1800" dirty="0" err="1" smtClean="0"/>
-              <a:t>Performantes</a:t>
+              <a:t>Performant</a:t>
             </a:r>
             <a:r>
               <a:rPr lang="de-DE" sz="1800" dirty="0" smtClean="0"/>
-              <a:t>, leichtgewichtiges DI Framework</a:t>
+              <a:t>, </a:t>
+            </a:r>
+            <a:r>
+              <a:rPr lang="de-DE" sz="1800" dirty="0" err="1" smtClean="0"/>
+              <a:t>lightweight</a:t>
+            </a:r>
+            <a:r>
+              <a:rPr lang="de-DE" sz="1800" dirty="0" smtClean="0"/>
+              <a:t> </a:t>
+            </a:r>
+            <a:r>
+              <a:rPr lang="de-DE" sz="1800" dirty="0" smtClean="0"/>
+              <a:t>DI Framework</a:t>
             </a:r>
           </a:p>
           <a:p>
@@ -5368,7 +5490,19 @@
             </a:r>
             <a:r>
               <a:rPr lang="de-DE" sz="1800" dirty="0" smtClean="0"/>
-              <a:t>: Erweiterung zu </a:t>
+              <a:t>: </a:t>
+            </a:r>
+            <a:r>
+              <a:rPr lang="de-DE" sz="1800" dirty="0" smtClean="0"/>
+              <a:t>Extension </a:t>
+            </a:r>
+            <a:r>
+              <a:rPr lang="de-DE" sz="1800" dirty="0" err="1" smtClean="0"/>
+              <a:t>of</a:t>
+            </a:r>
+            <a:r>
+              <a:rPr lang="de-DE" sz="1800" dirty="0" smtClean="0"/>
+              <a:t> </a:t>
             </a:r>
             <a:r>
               <a:rPr lang="de-DE" sz="1800" dirty="0" err="1" smtClean="0"/>
@@ -5376,7 +5510,19 @@
             </a:r>
             <a:r>
               <a:rPr lang="de-DE" sz="1800" dirty="0" smtClean="0"/>
-              <a:t> für OSGi</a:t>
+              <a:t> </a:t>
+            </a:r>
+            <a:r>
+              <a:rPr lang="de-DE" sz="1800" dirty="0" err="1" smtClean="0"/>
+              <a:t>for</a:t>
+            </a:r>
+            <a:r>
+              <a:rPr lang="de-DE" sz="1800" dirty="0" smtClean="0"/>
+              <a:t> </a:t>
+            </a:r>
+            <a:r>
+              <a:rPr lang="de-DE" sz="1800" dirty="0" smtClean="0"/>
+              <a:t>OSGi</a:t>
             </a:r>
           </a:p>
           <a:p>
@@ -5512,15 +5658,7 @@
           <a:p>
             <a:r>
               <a:rPr lang="en-US" dirty="0" smtClean="0"/>
-              <a:t>The declarations live in </a:t>
-            </a:r>
-            <a:r>
-              <a:rPr lang="en-US" dirty="0" smtClean="0"/>
-              <a:t>OSGI-INF</a:t>
-            </a:r>
-            <a:r>
-              <a:rPr lang="en-US" dirty="0" smtClean="0"/>
-              <a:t>/&lt;component&gt;.xml</a:t>
+              <a:t>The declarations live in OSGI-INF/&lt;component&gt;.xml</a:t>
             </a:r>
           </a:p>
           <a:p>
@@ -5553,13 +5691,8 @@
             <a:pPr lvl="1"/>
             <a:r>
               <a:rPr lang="en-US" dirty="0" smtClean="0"/>
-              <a:t>A cardinality and a creation policy can be </a:t>
-            </a:r>
-            <a:r>
-              <a:rPr lang="en-US" dirty="0" smtClean="0"/>
-              <a:t>defined</a:t>
-            </a:r>
-            <a:endParaRPr lang="en-US" dirty="0" smtClean="0"/>
+              <a:t>A cardinality and a creation policy can be defined</a:t>
+            </a:r>
           </a:p>
         </p:txBody>
       </p:sp>
@@ -5927,23 +6060,8 @@
                 </a:solidFill>
                 <a:latin typeface="Courier New"/>
               </a:rPr>
-              <a:t>    &lt;/service</a:t>
-            </a:r>
-            <a:r>
-              <a:rPr lang="en-US" sz="1800" dirty="0" smtClean="0">
-                <a:solidFill>
-                  <a:srgbClr val="000080"/>
-                </a:solidFill>
-                <a:latin typeface="Courier New"/>
-              </a:rPr>
-              <a:t>&gt;</a:t>
-            </a:r>
-            <a:endParaRPr lang="en-US" sz="1800" dirty="0" smtClean="0">
-              <a:solidFill>
-                <a:srgbClr val="000080"/>
-              </a:solidFill>
-              <a:latin typeface="Courier New"/>
-            </a:endParaRPr>
+              <a:t>    &lt;/service&gt;</a:t>
+            </a:r>
           </a:p>
           <a:p>
             <a:pPr>
@@ -6372,17 +6490,8 @@
           <a:p>
             <a:r>
               <a:rPr lang="en-US" dirty="0" smtClean="0"/>
-              <a:t>Best Practice: Two </a:t>
-            </a:r>
-            <a:r>
-              <a:rPr lang="en-US" dirty="0" smtClean="0"/>
-              <a:t>XML </a:t>
-            </a:r>
-            <a:r>
-              <a:rPr lang="en-US" dirty="0" smtClean="0"/>
-              <a:t>files</a:t>
-            </a:r>
-            <a:endParaRPr lang="en-US" dirty="0" smtClean="0"/>
+              <a:t>Best Practice: Two XML files</a:t>
+            </a:r>
           </a:p>
           <a:p>
             <a:pPr lvl="1"/>
@@ -6415,13 +6524,8 @@
           <a:p>
             <a:r>
               <a:rPr lang="en-US" dirty="0" smtClean="0"/>
-              <a:t>Similar but more flexible/powerful approach compared </a:t>
-            </a:r>
-            <a:r>
-              <a:rPr lang="en-US" dirty="0" smtClean="0"/>
-              <a:t>to DS</a:t>
-            </a:r>
-            <a:endParaRPr lang="en-US" dirty="0" smtClean="0"/>
+              <a:t>Similar but more flexible/powerful approach compared to DS</a:t>
+            </a:r>
           </a:p>
           <a:p>
             <a:pPr lvl="1"/>
@@ -7575,7 +7679,22 @@
           <a:p>
             <a:r>
               <a:rPr lang="en-US" noProof="0" dirty="0" smtClean="0"/>
-              <a:t>Problem: Often a service provides an implementation of the publisher/subscriber design pattern and provides methods to register listeners for notifications</a:t>
+              <a:t>Problem: </a:t>
+            </a:r>
+            <a:r>
+              <a:rPr lang="en-US" noProof="0" dirty="0" smtClean="0"/>
+              <a:t/>
+            </a:r>
+            <a:br>
+              <a:rPr lang="en-US" noProof="0" dirty="0" smtClean="0"/>
+            </a:br>
+            <a:r>
+              <a:rPr lang="en-US" noProof="0" dirty="0" smtClean="0"/>
+              <a:t>Often </a:t>
+            </a:r>
+            <a:r>
+              <a:rPr lang="en-US" noProof="0" dirty="0" smtClean="0"/>
+              <a:t>a service provides an implementation of the publisher/subscriber design pattern and provides methods to register listeners for notifications</a:t>
             </a:r>
           </a:p>
           <a:p>
@@ -7747,114 +7866,91 @@
           </a:p>
         </p:txBody>
       </p:sp>
+      <p:sp>
+        <p:nvSpPr>
+          <p:cNvPr id="7" name="Inhaltsplatzhalter 6"/>
+          <p:cNvSpPr>
+            <a:spLocks noGrp="1"/>
+          </p:cNvSpPr>
+          <p:nvPr>
+            <p:ph idx="1"/>
+          </p:nvPr>
+        </p:nvSpPr>
+        <p:spPr>
+          <a:xfrm>
+            <a:off x="457200" y="5429264"/>
+            <a:ext cx="8329642" cy="928694"/>
+          </a:xfrm>
+        </p:spPr>
+        <p:txBody>
+          <a:bodyPr/>
+          <a:lstStyle/>
+          <a:p>
+            <a:r>
+              <a:rPr lang="en-US" sz="2000" noProof="0" dirty="0" smtClean="0"/>
+              <a:t>Clients use </a:t>
+            </a:r>
+            <a:r>
+              <a:rPr lang="en-US" sz="2000" noProof="0" dirty="0" err="1" smtClean="0"/>
+              <a:t>ApplicationService</a:t>
+            </a:r>
+            <a:r>
+              <a:rPr lang="en-US" sz="2000" noProof="0" dirty="0" smtClean="0"/>
+              <a:t> to </a:t>
+            </a:r>
+            <a:r>
+              <a:rPr lang="en-US" sz="2000" noProof="0" dirty="0" smtClean="0"/>
+              <a:t>register </a:t>
+            </a:r>
+            <a:r>
+              <a:rPr lang="en-US" sz="2000" noProof="0" dirty="0" smtClean="0"/>
+              <a:t>view and action contributions</a:t>
+            </a:r>
+            <a:endParaRPr lang="en-US" sz="2000" noProof="0" dirty="0" smtClean="0"/>
+          </a:p>
+          <a:p>
+            <a:r>
+              <a:rPr lang="en-US" sz="2000" noProof="0" dirty="0" smtClean="0"/>
+              <a:t>Client </a:t>
+            </a:r>
+            <a:r>
+              <a:rPr lang="en-US" sz="2000" noProof="0" dirty="0" smtClean="0"/>
+              <a:t>is responsible for handling dynamic </a:t>
+            </a:r>
+            <a:r>
+              <a:rPr lang="en-US" sz="2000" noProof="0" dirty="0" err="1" smtClean="0"/>
+              <a:t>behaviour</a:t>
+            </a:r>
+            <a:endParaRPr lang="en-US" sz="2000" noProof="0" dirty="0" smtClean="0"/>
+          </a:p>
+        </p:txBody>
+      </p:sp>
       <p:pic>
         <p:nvPicPr>
-          <p:cNvPr id="8" name="Inhaltsplatzhalter 7" descr="listener-pattern.png"/>
+          <p:cNvPr id="1027" name="Picture 3" descr="D:\_work\_work\11 - Artikel und Vorträge\02 - vortraege\2008\06 - Dynamische OSGi-Applikationen\11 - images\system-overview-listener\system-overview-listener.png"/>
           <p:cNvPicPr>
-            <a:picLocks noGrp="1" noChangeAspect="1"/>
+            <a:picLocks noChangeAspect="1" noChangeArrowheads="1"/>
           </p:cNvPicPr>
-          <p:nvPr>
-            <p:ph idx="10"/>
-          </p:nvPr>
+          <p:nvPr/>
         </p:nvPicPr>
         <p:blipFill>
           <a:blip r:embed="rId2"/>
+          <a:srcRect/>
           <a:stretch>
             <a:fillRect/>
           </a:stretch>
         </p:blipFill>
-        <p:spPr>
+        <p:spPr bwMode="auto">
           <a:xfrm>
-            <a:off x="1500166" y="1428736"/>
-            <a:ext cx="6225686" cy="3311535"/>
-          </a:xfrm>
-        </p:spPr>
-      </p:pic>
-      <p:sp>
-        <p:nvSpPr>
-          <p:cNvPr id="7" name="Inhaltsplatzhalter 6"/>
-          <p:cNvSpPr>
-            <a:spLocks noGrp="1"/>
-          </p:cNvSpPr>
-          <p:nvPr>
-            <p:ph idx="1"/>
-          </p:nvPr>
-        </p:nvSpPr>
-        <p:spPr>
-          <a:xfrm>
-            <a:off x="457200" y="4929197"/>
-            <a:ext cx="8329642" cy="1267867"/>
-          </a:xfrm>
-        </p:spPr>
-        <p:txBody>
-          <a:bodyPr/>
-          <a:lstStyle/>
-          <a:p>
-            <a:r>
-              <a:rPr lang="en-US" noProof="0" smtClean="0"/>
-              <a:t>Clients use ScheduleService to register ScheduledTasks:</a:t>
-            </a:r>
-          </a:p>
-          <a:p>
-            <a:pPr lvl="1"/>
-            <a:r>
-              <a:rPr lang="en-US" noProof="0" smtClean="0"/>
-              <a:t>ScheduleService provides addTask() and removeTask() methods</a:t>
-            </a:r>
-          </a:p>
-          <a:p>
-            <a:pPr lvl="1"/>
-            <a:r>
-              <a:rPr lang="en-US" noProof="0" smtClean="0"/>
-              <a:t>Client is responsible for handling dynamic behaviour</a:t>
-            </a:r>
-          </a:p>
-        </p:txBody>
-      </p:sp>
-      <p:sp>
-        <p:nvSpPr>
-          <p:cNvPr id="6" name="Rechteck 5"/>
-          <p:cNvSpPr/>
-          <p:nvPr/>
-        </p:nvSpPr>
-        <p:spPr>
-          <a:xfrm>
-            <a:off x="4786314" y="1785926"/>
-            <a:ext cx="2857520" cy="1714512"/>
+            <a:off x="576000" y="1224000"/>
+            <a:ext cx="8096250" cy="4048125"/>
           </a:xfrm>
           <a:prstGeom prst="rect">
             <a:avLst/>
           </a:prstGeom>
+          <a:noFill/>
         </p:spPr>
-        <p:style>
-          <a:lnRef idx="2">
-            <a:schemeClr val="accent1">
-              <a:shade val="50000"/>
-            </a:schemeClr>
-          </a:lnRef>
-          <a:fillRef idx="1">
-            <a:schemeClr val="accent1"/>
-          </a:fillRef>
-          <a:effectRef idx="0">
-            <a:schemeClr val="accent1"/>
-          </a:effectRef>
-          <a:fontRef idx="minor">
-            <a:schemeClr val="lt1"/>
-          </a:fontRef>
-        </p:style>
-        <p:txBody>
-          <a:bodyPr rtlCol="0" anchor="ctr"/>
-          <a:lstStyle/>
-          <a:p>
-            <a:pPr algn="ctr"/>
-            <a:r>
-              <a:rPr lang="de-DE" dirty="0" smtClean="0"/>
-              <a:t>Überarbeite ich noch: Hier sollten wir auch dein Beispiel nehmen…</a:t>
-            </a:r>
-            <a:endParaRPr lang="de-DE" dirty="0"/>
-          </a:p>
-        </p:txBody>
-      </p:sp>
+      </p:pic>
     </p:spTree>
   </p:cSld>
   <p:clrMapOvr>
@@ -7934,114 +8030,79 @@
           </a:p>
         </p:txBody>
       </p:sp>
+      <p:sp>
+        <p:nvSpPr>
+          <p:cNvPr id="7" name="Inhaltsplatzhalter 6"/>
+          <p:cNvSpPr>
+            <a:spLocks noGrp="1"/>
+          </p:cNvSpPr>
+          <p:nvPr>
+            <p:ph idx="1"/>
+          </p:nvPr>
+        </p:nvSpPr>
+        <p:spPr>
+          <a:xfrm>
+            <a:off x="457200" y="5429264"/>
+            <a:ext cx="8229600" cy="928694"/>
+          </a:xfrm>
+        </p:spPr>
+        <p:txBody>
+          <a:bodyPr/>
+          <a:lstStyle/>
+          <a:p>
+            <a:r>
+              <a:rPr lang="en-US" sz="2000" noProof="0" dirty="0" smtClean="0"/>
+              <a:t>Clients register view and action contributions as </a:t>
+            </a:r>
+            <a:r>
+              <a:rPr lang="en-US" sz="2000" noProof="0" dirty="0" err="1" smtClean="0"/>
+              <a:t>servicess</a:t>
+            </a:r>
+            <a:endParaRPr lang="en-US" sz="2000" noProof="0" dirty="0" smtClean="0"/>
+          </a:p>
+          <a:p>
+            <a:r>
+              <a:rPr lang="en-US" sz="2000" noProof="0" dirty="0" smtClean="0"/>
+              <a:t>Application manager is </a:t>
+            </a:r>
+            <a:r>
+              <a:rPr lang="en-US" sz="2000" noProof="0" dirty="0" smtClean="0"/>
+              <a:t>responsible for handling dynamic </a:t>
+            </a:r>
+            <a:r>
+              <a:rPr lang="en-US" sz="2000" noProof="0" dirty="0" err="1" smtClean="0"/>
+              <a:t>behaviour</a:t>
+            </a:r>
+            <a:endParaRPr lang="en-US" sz="2000" noProof="0" dirty="0" smtClean="0"/>
+          </a:p>
+        </p:txBody>
+      </p:sp>
       <p:pic>
         <p:nvPicPr>
-          <p:cNvPr id="8" name="Inhaltsplatzhalter 7" descr="whiteboard-pattern.png"/>
+          <p:cNvPr id="2050" name="Picture 2" descr="D:\_work\_work\11 - Artikel und Vorträge\02 - vortraege\2008\06 - Dynamische OSGi-Applikationen\11 - images\system-overview-whiteboard\system-overview-whiteboard.png"/>
           <p:cNvPicPr>
-            <a:picLocks noGrp="1" noChangeAspect="1"/>
+            <a:picLocks noChangeAspect="1" noChangeArrowheads="1"/>
           </p:cNvPicPr>
-          <p:nvPr>
-            <p:ph idx="10"/>
-          </p:nvPr>
+          <p:nvPr/>
         </p:nvPicPr>
         <p:blipFill>
           <a:blip r:embed="rId2"/>
+          <a:srcRect/>
           <a:stretch>
             <a:fillRect/>
           </a:stretch>
         </p:blipFill>
-        <p:spPr>
+        <p:spPr bwMode="auto">
           <a:xfrm>
-            <a:off x="1928794" y="1446259"/>
-            <a:ext cx="5357850" cy="3268625"/>
-          </a:xfrm>
-        </p:spPr>
-      </p:pic>
-      <p:sp>
-        <p:nvSpPr>
-          <p:cNvPr id="7" name="Inhaltsplatzhalter 6"/>
-          <p:cNvSpPr>
-            <a:spLocks noGrp="1"/>
-          </p:cNvSpPr>
-          <p:nvPr>
-            <p:ph idx="1"/>
-          </p:nvPr>
-        </p:nvSpPr>
-        <p:spPr>
-          <a:xfrm>
-            <a:off x="457200" y="4786322"/>
-            <a:ext cx="8229600" cy="1410742"/>
-          </a:xfrm>
-        </p:spPr>
-        <p:txBody>
-          <a:bodyPr/>
-          <a:lstStyle/>
-          <a:p>
-            <a:r>
-              <a:rPr lang="en-US" noProof="0" smtClean="0"/>
-              <a:t>Client registers ScheduledTask as services:</a:t>
-            </a:r>
-          </a:p>
-          <a:p>
-            <a:pPr lvl="1"/>
-            <a:r>
-              <a:rPr lang="en-US" noProof="0" smtClean="0"/>
-              <a:t>No ScheduleService interface</a:t>
-            </a:r>
-          </a:p>
-          <a:p>
-            <a:pPr lvl="1"/>
-            <a:r>
-              <a:rPr lang="en-US" noProof="0" smtClean="0"/>
-              <a:t>ScheduleService implementation is responsible for handling dynamic behaviour</a:t>
-            </a:r>
-          </a:p>
-        </p:txBody>
-      </p:sp>
-      <p:sp>
-        <p:nvSpPr>
-          <p:cNvPr id="9" name="Rechteck 8"/>
-          <p:cNvSpPr/>
-          <p:nvPr/>
-        </p:nvSpPr>
-        <p:spPr>
-          <a:xfrm>
-            <a:off x="4786314" y="1785926"/>
-            <a:ext cx="2857520" cy="1714512"/>
+            <a:off x="576000" y="1224000"/>
+            <a:ext cx="8096250" cy="4048125"/>
           </a:xfrm>
           <a:prstGeom prst="rect">
             <a:avLst/>
           </a:prstGeom>
+          <a:noFill/>
         </p:spPr>
-        <p:style>
-          <a:lnRef idx="2">
-            <a:schemeClr val="accent1">
-              <a:shade val="50000"/>
-            </a:schemeClr>
-          </a:lnRef>
-          <a:fillRef idx="1">
-            <a:schemeClr val="accent1"/>
-          </a:fillRef>
-          <a:effectRef idx="0">
-            <a:schemeClr val="accent1"/>
-          </a:effectRef>
-          <a:fontRef idx="minor">
-            <a:schemeClr val="lt1"/>
-          </a:fontRef>
-        </p:style>
-        <p:txBody>
-          <a:bodyPr rtlCol="0" anchor="ctr"/>
-          <a:lstStyle/>
-          <a:p>
-            <a:pPr algn="ctr"/>
-            <a:r>
-              <a:rPr lang="de-DE" dirty="0" smtClean="0"/>
-              <a:t>Überarbeite ich noch: Hier sollten wir auch dein Beispiel nehmen…</a:t>
-            </a:r>
-            <a:endParaRPr lang="de-DE" dirty="0"/>
-          </a:p>
-        </p:txBody>
-      </p:sp>
+      </p:pic>
     </p:spTree>
   </p:cSld>
   <p:clrMapOvr>
@@ -8333,17 +8394,6 @@
               </a:spcBef>
             </a:pPr>
             <a:r>
-              <a:rPr lang="en-US" noProof="0" dirty="0" smtClean="0"/>
-              <a:t>Outlook: Architectures for dynamic Systems</a:t>
-            </a:r>
-          </a:p>
-          <a:p>
-            <a:pPr>
-              <a:spcBef>
-                <a:spcPts val="1200"/>
-              </a:spcBef>
-            </a:pPr>
-            <a:r>
               <a:rPr lang="en-US" dirty="0" smtClean="0"/>
               <a:t>Conclusion</a:t>
             </a:r>
@@ -10245,7 +10295,15 @@
           <a:p>
             <a:r>
               <a:rPr lang="en-US" noProof="0" dirty="0" smtClean="0"/>
-              <a:t>Supports dynamic (means at runtime)</a:t>
+              <a:t>Supports dynamic </a:t>
+            </a:r>
+            <a:r>
+              <a:rPr lang="en-US" noProof="0" dirty="0" smtClean="0"/>
+              <a:t>(during runtime</a:t>
+            </a:r>
+            <a:r>
+              <a:rPr lang="en-US" noProof="0" dirty="0" smtClean="0"/>
+              <a:t>)</a:t>
             </a:r>
           </a:p>
           <a:p>

--- a/presentations/Patterns and Best Practices for dynamic OSGi Applications.pptx
+++ b/presentations/Patterns and Best Practices for dynamic OSGi Applications.pptx
@@ -2511,7 +2511,15 @@
             </a:r>
             <a:r>
               <a:rPr lang="en-US" sz="800" dirty="0" smtClean="0"/>
-              <a:t>Licensed under Creative Commons Attribution-Noncommercial-Share Alike 2.0 Germany License</a:t>
+              <a:t>Licensed under Creative Commons Attribution-Noncommercial-Share Alike </a:t>
+            </a:r>
+            <a:r>
+              <a:rPr lang="en-US" sz="800" dirty="0" smtClean="0"/>
+              <a:t>3.0 </a:t>
+            </a:r>
+            <a:r>
+              <a:rPr lang="en-US" sz="800" dirty="0" smtClean="0"/>
+              <a:t>Germany License</a:t>
             </a:r>
           </a:p>
         </p:txBody>
@@ -2877,22 +2885,21 @@
               </a:spcBef>
             </a:pPr>
             <a:r>
+              <a:rPr lang="en-US" sz="1800" noProof="0" dirty="0" smtClean="0">
+                <a:solidFill>
+                  <a:schemeClr val="tx1"/>
+                </a:solidFill>
+              </a:rPr>
+              <a:t>Kai Tödter</a:t>
+            </a:r>
+            <a:r>
               <a:rPr lang="en-US" sz="1800" noProof="0" dirty="0" smtClean="0"/>
-              <a:t>Kai </a:t>
-            </a:r>
-            <a:r>
-              <a:rPr lang="en-US" sz="1800" noProof="0" dirty="0" smtClean="0"/>
-              <a:t>Tödter, </a:t>
+              <a:t>, </a:t>
             </a:r>
             <a:r>
               <a:rPr lang="en-US" sz="1800" dirty="0" smtClean="0"/>
-              <a:t>Siemens </a:t>
-            </a:r>
-            <a:r>
-              <a:rPr lang="en-US" sz="1800" dirty="0" smtClean="0"/>
-              <a:t>Corporate Technology</a:t>
-            </a:r>
-            <a:endParaRPr lang="en-US" sz="1800" dirty="0" smtClean="0"/>
+              <a:t>Siemens Corporate Technology</a:t>
+            </a:r>
           </a:p>
           <a:p>
             <a:pPr marL="180000">
@@ -2901,7 +2908,11 @@
               </a:spcBef>
             </a:pPr>
             <a:r>
-              <a:rPr lang="en-US" sz="1800" noProof="0" dirty="0" smtClean="0"/>
+              <a:rPr lang="en-US" sz="1800" noProof="0" dirty="0" smtClean="0">
+                <a:solidFill>
+                  <a:schemeClr val="tx1"/>
+                </a:solidFill>
+              </a:rPr>
               <a:t>Gerd Wütherich</a:t>
             </a:r>
           </a:p>
@@ -2913,15 +2924,18 @@
             </a:pPr>
             <a:r>
               <a:rPr lang="en-US" sz="1800" dirty="0" smtClean="0">
+                <a:solidFill>
+                  <a:schemeClr val="tx1"/>
+                </a:solidFill>
                 <a:sym typeface="Wingdings"/>
               </a:rPr>
-              <a:t>Martin </a:t>
+              <a:t>Martin Lippert</a:t>
             </a:r>
             <a:r>
               <a:rPr lang="en-US" sz="1800" dirty="0" smtClean="0">
                 <a:sym typeface="Wingdings"/>
               </a:rPr>
-              <a:t>Lippert, </a:t>
+              <a:t>, </a:t>
             </a:r>
             <a:r>
               <a:rPr lang="de-DE" sz="1800" dirty="0" err="1" smtClean="0">
@@ -9469,6 +9483,30 @@
               <a:rPr lang="en-US" noProof="0" dirty="0" smtClean="0"/>
               <a:t> is dynamic!</a:t>
             </a:r>
+          </a:p>
+        </p:txBody>
+      </p:sp>
+      <p:sp>
+        <p:nvSpPr>
+          <p:cNvPr id="4" name="Slide Number Placeholder 3"/>
+          <p:cNvSpPr>
+            <a:spLocks noGrp="1"/>
+          </p:cNvSpPr>
+          <p:nvPr>
+            <p:ph type="sldNum" sz="quarter" idx="4"/>
+          </p:nvPr>
+        </p:nvSpPr>
+        <p:spPr/>
+        <p:txBody>
+          <a:bodyPr/>
+          <a:lstStyle/>
+          <a:p>
+            <a:fld id="{6A8BD7CC-570D-43FA-A214-4BA0539F1D29}" type="slidenum">
+              <a:rPr lang="de-DE" smtClean="0"/>
+              <a:pPr/>
+              <a:t>4</a:t>
+            </a:fld>
+            <a:endParaRPr lang="de-DE" dirty="0"/>
           </a:p>
         </p:txBody>
       </p:sp>
